--- a/vf-presentation.pptx
+++ b/vf-presentation.pptx
@@ -3771,9 +3771,51 @@
           <a:chExt cx="0" cy="0"/>
         </a:xfrm>
       </p:grpSpPr>
+      <p:sp>
+        <p:nvSpPr>
+          <p:cNvPr id="2" name="TextBox 1"/>
+          <p:cNvSpPr txBox="1"/>
+          <p:nvPr/>
+        </p:nvSpPr>
+        <p:spPr>
+          <a:xfrm>
+            <a:off x="3865029" y="4160512"/>
+            <a:ext cx="4837044" cy="707886"/>
+          </a:xfrm>
+          <a:prstGeom prst="rect">
+            <a:avLst/>
+          </a:prstGeom>
+          <a:noFill/>
+        </p:spPr>
+        <p:txBody>
+          <a:bodyPr wrap="square" rtlCol="0">
+            <a:spAutoFit/>
+          </a:bodyPr>
+          <a:lstStyle/>
+          <a:p>
+            <a:pPr algn="ctr"/>
+            <a:r>
+              <a:rPr lang="en-US" sz="2000" dirty="0" smtClean="0">
+                <a:solidFill>
+                  <a:schemeClr val="bg1"/>
+                </a:solidFill>
+              </a:rPr>
+              <a:t>Rabel Marte, Joshua Wu, Alex Hardwick</a:t>
+            </a:r>
+          </a:p>
+          <a:p>
+            <a:pPr algn="ctr"/>
+            <a:endParaRPr lang="en-US" sz="2000" dirty="0">
+              <a:solidFill>
+                <a:schemeClr val="bg1"/>
+              </a:solidFill>
+            </a:endParaRPr>
+          </a:p>
+        </p:txBody>
+      </p:sp>
       <p:pic>
         <p:nvPicPr>
-          <p:cNvPr id="12" name="Picture 11"/>
+          <p:cNvPr id="3" name="Picture 2"/>
           <p:cNvPicPr>
             <a:picLocks noChangeAspect="1"/>
           </p:cNvPicPr>
@@ -3793,134 +3835,7 @@
         </p:blipFill>
         <p:spPr>
           <a:xfrm>
-            <a:off x="5133201" y="1577332"/>
-            <a:ext cx="1428750" cy="1428750"/>
-          </a:xfrm>
-          <a:prstGeom prst="rect">
-            <a:avLst/>
-          </a:prstGeom>
-        </p:spPr>
-      </p:pic>
-      <p:sp>
-        <p:nvSpPr>
-          <p:cNvPr id="13" name="TextBox 12"/>
-          <p:cNvSpPr txBox="1"/>
-          <p:nvPr/>
-        </p:nvSpPr>
-        <p:spPr>
-          <a:xfrm>
-            <a:off x="2610110" y="2731762"/>
-            <a:ext cx="7346883" cy="1246495"/>
-          </a:xfrm>
-          <a:prstGeom prst="rect">
-            <a:avLst/>
-          </a:prstGeom>
-          <a:noFill/>
-        </p:spPr>
-        <p:txBody>
-          <a:bodyPr wrap="none" rtlCol="0">
-            <a:spAutoFit/>
-          </a:bodyPr>
-          <a:lstStyle/>
-          <a:p>
-            <a:r>
-              <a:rPr lang="en-US" sz="7500" dirty="0" smtClean="0">
-                <a:solidFill>
-                  <a:schemeClr val="bg1"/>
-                </a:solidFill>
-                <a:latin typeface="Pacifico" charset="0"/>
-                <a:ea typeface="Pacifico" charset="0"/>
-                <a:cs typeface="Pacifico" charset="0"/>
-              </a:rPr>
-              <a:t>VisualizeFinance.</a:t>
-            </a:r>
-            <a:r>
-              <a:rPr lang="en-US" sz="7500" dirty="0" smtClean="0">
-                <a:solidFill>
-                  <a:srgbClr val="F7DAA3"/>
-                </a:solidFill>
-                <a:latin typeface="Pacifico" charset="0"/>
-                <a:ea typeface="Pacifico" charset="0"/>
-                <a:cs typeface="Pacifico" charset="0"/>
-              </a:rPr>
-              <a:t>io</a:t>
-            </a:r>
-            <a:endParaRPr lang="en-US" sz="7500" dirty="0">
-              <a:solidFill>
-                <a:srgbClr val="F7DAA3"/>
-              </a:solidFill>
-              <a:latin typeface="Pacifico" charset="0"/>
-              <a:ea typeface="Pacifico" charset="0"/>
-              <a:cs typeface="Pacifico" charset="0"/>
-            </a:endParaRPr>
-          </a:p>
-        </p:txBody>
-      </p:sp>
-      <p:sp>
-        <p:nvSpPr>
-          <p:cNvPr id="2" name="TextBox 1"/>
-          <p:cNvSpPr txBox="1"/>
-          <p:nvPr/>
-        </p:nvSpPr>
-        <p:spPr>
-          <a:xfrm>
-            <a:off x="3865029" y="4160512"/>
-            <a:ext cx="4837044" cy="707886"/>
-          </a:xfrm>
-          <a:prstGeom prst="rect">
-            <a:avLst/>
-          </a:prstGeom>
-          <a:noFill/>
-        </p:spPr>
-        <p:txBody>
-          <a:bodyPr wrap="square" rtlCol="0">
-            <a:spAutoFit/>
-          </a:bodyPr>
-          <a:lstStyle/>
-          <a:p>
-            <a:pPr algn="ctr"/>
-            <a:r>
-              <a:rPr lang="en-US" sz="2000" dirty="0" smtClean="0">
-                <a:solidFill>
-                  <a:schemeClr val="bg1"/>
-                </a:solidFill>
-              </a:rPr>
-              <a:t>Rabel Marte, Joshua Wu, Alex Hardwick</a:t>
-            </a:r>
-          </a:p>
-          <a:p>
-            <a:pPr algn="ctr"/>
-            <a:endParaRPr lang="en-US" sz="2000" dirty="0">
-              <a:solidFill>
-                <a:schemeClr val="bg1"/>
-              </a:solidFill>
-            </a:endParaRPr>
-          </a:p>
-        </p:txBody>
-      </p:sp>
-      <p:pic>
-        <p:nvPicPr>
-          <p:cNvPr id="3" name="Picture 2"/>
-          <p:cNvPicPr>
-            <a:picLocks noChangeAspect="1"/>
-          </p:cNvPicPr>
-          <p:nvPr/>
-        </p:nvPicPr>
-        <p:blipFill>
-          <a:blip r:embed="rId4">
-            <a:extLst>
-              <a:ext uri="{28A0092B-C50C-407E-A947-70E740481C1C}">
-                <a14:useLocalDpi xmlns:a14="http://schemas.microsoft.com/office/drawing/2010/main" val="0"/>
-              </a:ext>
-            </a:extLst>
-          </a:blip>
-          <a:stretch>
-            <a:fillRect/>
-          </a:stretch>
-        </p:blipFill>
-        <p:spPr>
-          <a:xfrm>
-            <a:off x="1492606" y="922730"/>
+            <a:off x="1702468" y="792102"/>
             <a:ext cx="9581890" cy="3368410"/>
           </a:xfrm>
           <a:prstGeom prst="rect">
@@ -3965,9 +3880,62 @@
           <a:chExt cx="0" cy="0"/>
         </a:xfrm>
       </p:grpSpPr>
+      <p:sp>
+        <p:nvSpPr>
+          <p:cNvPr id="8" name="TextBox 10"/>
+          <p:cNvSpPr txBox="1"/>
+          <p:nvPr/>
+        </p:nvSpPr>
+        <p:spPr>
+          <a:xfrm>
+            <a:off x="2066925" y="3968214"/>
+            <a:ext cx="8337889" cy="954107"/>
+          </a:xfrm>
+          <a:prstGeom prst="rect">
+            <a:avLst/>
+          </a:prstGeom>
+        </p:spPr>
+        <p:txBody>
+          <a:bodyPr rot="0" spcFirstLastPara="0" vertOverflow="overflow" horzOverflow="overflow" vert="horz" wrap="square" lIns="91440" tIns="45720" rIns="91440" bIns="45720" numCol="1" spcCol="0" rtlCol="0" fromWordArt="0" anchor="t" anchorCtr="0" forceAA="0" compatLnSpc="1">
+            <a:prstTxWarp prst="textNoShape">
+              <a:avLst/>
+            </a:prstTxWarp>
+            <a:spAutoFit/>
+          </a:bodyPr>
+          <a:lstStyle/>
+          <a:p>
+            <a:pPr algn="ctr"/>
+            <a:r>
+              <a:rPr lang="en-US" sz="2800" i="1">
+                <a:solidFill>
+                  <a:srgbClr val="FFFFFF"/>
+                </a:solidFill>
+              </a:rPr>
+              <a:t>Everyone has a Point A </a:t>
+            </a:r>
+          </a:p>
+          <a:p>
+            <a:pPr algn="ctr"/>
+            <a:r>
+              <a:rPr lang="en-US" sz="2800" i="1">
+                <a:solidFill>
+                  <a:srgbClr val="FFFFFF"/>
+                </a:solidFill>
+              </a:rPr>
+              <a:t>let us get you to your Point B</a:t>
+            </a:r>
+            <a:endParaRPr lang="en-US" sz="2800" i="1">
+              <a:solidFill>
+                <a:srgbClr val="FFFFFF"/>
+              </a:solidFill>
+              <a:latin typeface="Calibri"/>
+            </a:endParaRPr>
+          </a:p>
+        </p:txBody>
+      </p:sp>
       <p:pic>
         <p:nvPicPr>
-          <p:cNvPr id="2" name="Picture 8"/>
+          <p:cNvPr id="4" name="Picture 3"/>
           <p:cNvPicPr>
             <a:picLocks noChangeAspect="1"/>
           </p:cNvPicPr>
@@ -3987,137 +3955,7 @@
         </p:blipFill>
         <p:spPr>
           <a:xfrm>
-            <a:off x="5133201" y="1577332"/>
-            <a:ext cx="1428750" cy="1428750"/>
-          </a:xfrm>
-          <a:prstGeom prst="rect">
-            <a:avLst/>
-          </a:prstGeom>
-        </p:spPr>
-      </p:pic>
-      <p:sp>
-        <p:nvSpPr>
-          <p:cNvPr id="3" name="TextBox 9"/>
-          <p:cNvSpPr txBox="1"/>
-          <p:nvPr/>
-        </p:nvSpPr>
-        <p:spPr>
-          <a:xfrm>
-            <a:off x="2610110" y="2731762"/>
-            <a:ext cx="7346883" cy="1246495"/>
-          </a:xfrm>
-          <a:prstGeom prst="rect">
-            <a:avLst/>
-          </a:prstGeom>
-          <a:noFill/>
-        </p:spPr>
-        <p:txBody>
-          <a:bodyPr wrap="none" rtlCol="0">
-            <a:spAutoFit/>
-          </a:bodyPr>
-          <a:lstStyle/>
-          <a:p>
-            <a:r>
-              <a:rPr lang="en-US" sz="7500" dirty="0">
-                <a:solidFill>
-                  <a:schemeClr val="bg1"/>
-                </a:solidFill>
-                <a:latin typeface="Pacifico" charset="0"/>
-                <a:ea typeface="Pacifico" charset="0"/>
-                <a:cs typeface="Pacifico" charset="0"/>
-              </a:rPr>
-              <a:t>VisualizeFinance.</a:t>
-            </a:r>
-            <a:r>
-              <a:rPr lang="en-US" sz="7500" dirty="0">
-                <a:solidFill>
-                  <a:srgbClr val="F7DAA3"/>
-                </a:solidFill>
-                <a:latin typeface="Pacifico" charset="0"/>
-                <a:ea typeface="Pacifico" charset="0"/>
-                <a:cs typeface="Pacifico" charset="0"/>
-              </a:rPr>
-              <a:t>io</a:t>
-            </a:r>
-          </a:p>
-        </p:txBody>
-      </p:sp>
-      <p:sp>
-        <p:nvSpPr>
-          <p:cNvPr id="8" name="TextBox 10"/>
-          <p:cNvSpPr txBox="1"/>
-          <p:nvPr/>
-        </p:nvSpPr>
-        <p:spPr>
-          <a:xfrm>
-            <a:off x="2066925" y="3968214"/>
-            <a:ext cx="8337889" cy="954107"/>
-          </a:xfrm>
-          <a:prstGeom prst="rect">
-            <a:avLst/>
-          </a:prstGeom>
-        </p:spPr>
-        <p:txBody>
-          <a:bodyPr rot="0" spcFirstLastPara="0" vertOverflow="overflow" horzOverflow="overflow" vert="horz" wrap="square" lIns="91440" tIns="45720" rIns="91440" bIns="45720" numCol="1" spcCol="0" rtlCol="0" fromWordArt="0" anchor="t" anchorCtr="0" forceAA="0" compatLnSpc="1">
-            <a:prstTxWarp prst="textNoShape">
-              <a:avLst/>
-            </a:prstTxWarp>
-            <a:spAutoFit/>
-          </a:bodyPr>
-          <a:lstStyle/>
-          <a:p>
-            <a:pPr algn="ctr"/>
-            <a:r>
-              <a:rPr lang="en-US" sz="2800" i="1">
-                <a:solidFill>
-                  <a:srgbClr val="FFFFFF"/>
-                </a:solidFill>
-              </a:rPr>
-              <a:t>Everyone has a Point A </a:t>
-            </a:r>
-          </a:p>
-          <a:p>
-            <a:pPr algn="ctr"/>
-            <a:r>
-              <a:rPr lang="en-US" sz="2800" i="1">
-                <a:solidFill>
-                  <a:srgbClr val="FFFFFF"/>
-                </a:solidFill>
-              </a:rPr>
-              <a:t>let us get you to your Point B</a:t>
-            </a:r>
-            <a:endParaRPr lang="en-US" sz="2800" i="1">
-              <a:solidFill>
-                <a:srgbClr val="FFFFFF"/>
-              </a:solidFill>
-              <a:latin typeface="Calibri"/>
-            </a:endParaRPr>
-          </a:p>
-        </p:txBody>
-      </p:sp>
-      <p:pic>
-        <p:nvPicPr>
-          <p:cNvPr id="4" name="Picture 3"/>
-          <p:cNvPicPr>
-            <a:picLocks noChangeAspect="1"/>
-          </p:cNvPicPr>
-          <p:nvPr/>
-        </p:nvPicPr>
-        <p:blipFill>
-          <a:blip r:embed="rId3">
-            <a:extLst>
-              <a:ext uri="{28A0092B-C50C-407E-A947-70E740481C1C}">
-                <a14:useLocalDpi xmlns:a14="http://schemas.microsoft.com/office/drawing/2010/main" val="0"/>
-              </a:ext>
-            </a:extLst>
-          </a:blip>
-          <a:stretch>
-            <a:fillRect/>
-          </a:stretch>
-        </p:blipFill>
-        <p:spPr>
-          <a:xfrm>
-            <a:off x="2423128" y="1254034"/>
+            <a:off x="2818881" y="1399950"/>
             <a:ext cx="7720845" cy="2714180"/>
           </a:xfrm>
           <a:prstGeom prst="rect">
@@ -5806,15 +5644,7 @@
                   <a:schemeClr val="bg1"/>
                 </a:solidFill>
               </a:rPr>
-              <a:t>Head </a:t>
-            </a:r>
-            <a:r>
-              <a:rPr lang="en-US" b="1" i="1" dirty="0" smtClean="0">
-                <a:solidFill>
-                  <a:schemeClr val="bg1"/>
-                </a:solidFill>
-              </a:rPr>
-              <a:t>of </a:t>
+              <a:t>Head of </a:t>
             </a:r>
             <a:r>
               <a:rPr lang="en-US" sz="4800" b="1" dirty="0" smtClean="0">

--- a/vf-presentation.pptx
+++ b/vf-presentation.pptx
@@ -902,6 +902,90 @@
     <p:extLst>
       <p:ext uri="{BB962C8B-B14F-4D97-AF65-F5344CB8AC3E}">
         <p14:creationId xmlns:p14="http://schemas.microsoft.com/office/powerpoint/2010/main" val="1340688139"/>
+      </p:ext>
+    </p:extLst>
+  </p:cSld>
+  <p:clrMapOvr>
+    <a:masterClrMapping/>
+  </p:clrMapOvr>
+</p:notes>
+</file>
+
+<file path=ppt/notesSlides/notesSlide4.xml><?xml version="1.0" encoding="utf-8"?>
+<p:notes xmlns:a="http://schemas.openxmlformats.org/drawingml/2006/main" xmlns:r="http://schemas.openxmlformats.org/officeDocument/2006/relationships" xmlns:p="http://schemas.openxmlformats.org/presentationml/2006/main">
+  <p:cSld>
+    <p:spTree>
+      <p:nvGrpSpPr>
+        <p:cNvPr id="1" name=""/>
+        <p:cNvGrpSpPr/>
+        <p:nvPr/>
+      </p:nvGrpSpPr>
+      <p:grpSpPr>
+        <a:xfrm>
+          <a:off x="0" y="0"/>
+          <a:ext cx="0" cy="0"/>
+          <a:chOff x="0" y="0"/>
+          <a:chExt cx="0" cy="0"/>
+        </a:xfrm>
+      </p:grpSpPr>
+      <p:sp>
+        <p:nvSpPr>
+          <p:cNvPr id="2" name="Slide Image Placeholder 1"/>
+          <p:cNvSpPr>
+            <a:spLocks noGrp="1" noRot="1" noChangeAspect="1"/>
+          </p:cNvSpPr>
+          <p:nvPr>
+            <p:ph type="sldImg"/>
+          </p:nvPr>
+        </p:nvSpPr>
+        <p:spPr/>
+      </p:sp>
+      <p:sp>
+        <p:nvSpPr>
+          <p:cNvPr id="3" name="Notes Placeholder 2"/>
+          <p:cNvSpPr>
+            <a:spLocks noGrp="1"/>
+          </p:cNvSpPr>
+          <p:nvPr>
+            <p:ph type="body" idx="1"/>
+          </p:nvPr>
+        </p:nvSpPr>
+        <p:spPr/>
+        <p:txBody>
+          <a:bodyPr/>
+          <a:lstStyle/>
+          <a:p>
+            <a:endParaRPr lang="en-US" dirty="0"/>
+          </a:p>
+        </p:txBody>
+      </p:sp>
+      <p:sp>
+        <p:nvSpPr>
+          <p:cNvPr id="4" name="Slide Number Placeholder 3"/>
+          <p:cNvSpPr>
+            <a:spLocks noGrp="1"/>
+          </p:cNvSpPr>
+          <p:nvPr>
+            <p:ph type="sldNum" sz="quarter" idx="10"/>
+          </p:nvPr>
+        </p:nvSpPr>
+        <p:spPr/>
+        <p:txBody>
+          <a:bodyPr/>
+          <a:lstStyle/>
+          <a:p>
+            <a:fld id="{381FD827-D7A3-934A-BC67-58526B6EBA13}" type="slidenum">
+              <a:rPr lang="en-US" smtClean="0"/>
+              <a:t>9</a:t>
+            </a:fld>
+            <a:endParaRPr lang="en-US"/>
+          </a:p>
+        </p:txBody>
+      </p:sp>
+    </p:spTree>
+    <p:extLst>
+      <p:ext uri="{BB962C8B-B14F-4D97-AF65-F5344CB8AC3E}">
+        <p14:creationId xmlns:p14="http://schemas.microsoft.com/office/powerpoint/2010/main" val="172285391"/>
       </p:ext>
     </p:extLst>
   </p:cSld>
@@ -3906,7 +3990,7 @@
           <a:p>
             <a:pPr algn="ctr"/>
             <a:r>
-              <a:rPr lang="en-US" sz="2800" i="1">
+              <a:rPr lang="en-US" sz="2800" i="1" dirty="0">
                 <a:solidFill>
                   <a:srgbClr val="FFFFFF"/>
                 </a:solidFill>
@@ -3917,14 +4001,14 @@
           <a:p>
             <a:pPr algn="ctr"/>
             <a:r>
-              <a:rPr lang="en-US" sz="2800" i="1">
+              <a:rPr lang="en-US" sz="2800" i="1" dirty="0">
                 <a:solidFill>
                   <a:srgbClr val="FFFFFF"/>
                 </a:solidFill>
               </a:rPr>
               <a:t>let us get you to your Point B</a:t>
             </a:r>
-            <a:endParaRPr lang="en-US" sz="2800" i="1">
+            <a:endParaRPr lang="en-US" sz="2800" i="1" dirty="0">
               <a:solidFill>
                 <a:srgbClr val="FFFFFF"/>
               </a:solidFill>
@@ -4261,7 +4345,7 @@
         <p:spPr>
           <a:xfrm>
             <a:off x="843033" y="356839"/>
-            <a:ext cx="1833259" cy="630942"/>
+            <a:ext cx="2664665" cy="630942"/>
           </a:xfrm>
           <a:prstGeom prst="rect">
             <a:avLst/>
@@ -4279,7 +4363,7 @@
                 <a:solidFill>
                   <a:srgbClr val="F7DAA3"/>
                 </a:solidFill>
-                <a:latin typeface="Proxima Nova Soft" charset="0"/>
+                <a:latin typeface="+mj-lt"/>
                 <a:ea typeface="Proxima Nova Soft" charset="0"/>
                 <a:cs typeface="Proxima Nova Soft" charset="0"/>
               </a:rPr>
@@ -4289,7 +4373,7 @@
               <a:solidFill>
                 <a:srgbClr val="F7DAA3"/>
               </a:solidFill>
-              <a:latin typeface="Proxima Nova Soft" charset="0"/>
+              <a:latin typeface="+mj-lt"/>
               <a:ea typeface="Proxima Nova Soft" charset="0"/>
               <a:cs typeface="Proxima Nova Soft" charset="0"/>
             </a:endParaRPr>
@@ -4961,7 +5045,7 @@
         <p:spPr>
           <a:xfrm>
             <a:off x="843032" y="356839"/>
-            <a:ext cx="2973593" cy="630942"/>
+            <a:ext cx="3354214" cy="630942"/>
           </a:xfrm>
           <a:prstGeom prst="rect">
             <a:avLst/>
@@ -4979,7 +5063,7 @@
                 <a:solidFill>
                   <a:srgbClr val="F7DAA3"/>
                 </a:solidFill>
-                <a:latin typeface="Proxima Nova Soft" charset="0"/>
+                <a:latin typeface="+mj-lt"/>
                 <a:ea typeface="Proxima Nova Soft" charset="0"/>
                 <a:cs typeface="Proxima Nova Soft" charset="0"/>
               </a:rPr>
@@ -4989,7 +5073,7 @@
               <a:solidFill>
                 <a:srgbClr val="F7DAA3"/>
               </a:solidFill>
-              <a:latin typeface="Proxima Nova Soft" charset="0"/>
+              <a:latin typeface="+mj-lt"/>
               <a:ea typeface="Proxima Nova Soft" charset="0"/>
               <a:cs typeface="Proxima Nova Soft" charset="0"/>
             </a:endParaRPr>
@@ -5234,7 +5318,6 @@
                 <a:solidFill>
                   <a:schemeClr val="bg1"/>
                 </a:solidFill>
-                <a:latin typeface="Proxima Nova Soft" charset="0"/>
                 <a:ea typeface="Proxima Nova Soft" charset="0"/>
                 <a:cs typeface="Proxima Nova Soft" charset="0"/>
               </a:rPr>
@@ -5247,7 +5330,6 @@
                 <a:solidFill>
                   <a:schemeClr val="bg1"/>
                 </a:solidFill>
-                <a:latin typeface="Proxima Nova Soft" charset="0"/>
                 <a:ea typeface="Proxima Nova Soft" charset="0"/>
                 <a:cs typeface="Proxima Nova Soft" charset="0"/>
               </a:rPr>
@@ -5257,7 +5339,6 @@
               <a:solidFill>
                 <a:schemeClr val="bg1"/>
               </a:solidFill>
-              <a:latin typeface="Proxima Nova Soft" charset="0"/>
               <a:ea typeface="Proxima Nova Soft" charset="0"/>
               <a:cs typeface="Proxima Nova Soft" charset="0"/>
             </a:endParaRPr>
@@ -5292,7 +5373,6 @@
                 <a:solidFill>
                   <a:schemeClr val="bg1"/>
                 </a:solidFill>
-                <a:latin typeface="Proxima Nova Soft" charset="0"/>
                 <a:ea typeface="Proxima Nova Soft" charset="0"/>
                 <a:cs typeface="Proxima Nova Soft" charset="0"/>
               </a:rPr>
@@ -5306,7 +5386,6 @@
                 <a:solidFill>
                   <a:schemeClr val="bg1"/>
                 </a:solidFill>
-                <a:latin typeface="Proxima Nova Soft" charset="0"/>
                 <a:ea typeface="Proxima Nova Soft" charset="0"/>
                 <a:cs typeface="Proxima Nova Soft" charset="0"/>
               </a:rPr>
@@ -5316,7 +5395,6 @@
               <a:solidFill>
                 <a:schemeClr val="bg1"/>
               </a:solidFill>
-              <a:latin typeface="Proxima Nova Soft" charset="0"/>
               <a:ea typeface="Proxima Nova Soft" charset="0"/>
               <a:cs typeface="Proxima Nova Soft" charset="0"/>
             </a:endParaRPr>
@@ -5351,7 +5429,6 @@
                 <a:solidFill>
                   <a:schemeClr val="bg1"/>
                 </a:solidFill>
-                <a:latin typeface="Proxima Nova Soft" charset="0"/>
                 <a:ea typeface="Proxima Nova Soft" charset="0"/>
                 <a:cs typeface="Proxima Nova Soft" charset="0"/>
               </a:rPr>
@@ -5365,7 +5442,6 @@
                 <a:solidFill>
                   <a:schemeClr val="bg1"/>
                 </a:solidFill>
-                <a:latin typeface="Proxima Nova Soft" charset="0"/>
                 <a:ea typeface="Proxima Nova Soft" charset="0"/>
                 <a:cs typeface="Proxima Nova Soft" charset="0"/>
               </a:rPr>
@@ -5375,7 +5451,6 @@
               <a:solidFill>
                 <a:schemeClr val="bg1"/>
               </a:solidFill>
-              <a:latin typeface="Proxima Nova Soft" charset="0"/>
               <a:ea typeface="Proxima Nova Soft" charset="0"/>
               <a:cs typeface="Proxima Nova Soft" charset="0"/>
             </a:endParaRPr>
@@ -5391,7 +5466,7 @@
         <p:spPr>
           <a:xfrm>
             <a:off x="843033" y="356839"/>
-            <a:ext cx="2774810" cy="630942"/>
+            <a:ext cx="3444154" cy="630942"/>
           </a:xfrm>
           <a:prstGeom prst="rect">
             <a:avLst/>
@@ -5409,11 +5484,22 @@
                 <a:solidFill>
                   <a:srgbClr val="F7DAA3"/>
                 </a:solidFill>
+                <a:latin typeface="+mj-lt"/>
+                <a:ea typeface="Proxima Nova Soft" charset="0"/>
+                <a:cs typeface="Proxima Nova Soft" charset="0"/>
+              </a:rPr>
+              <a:t>Market</a:t>
+            </a:r>
+            <a:r>
+              <a:rPr lang="en-US" sz="3500" b="1" dirty="0" smtClean="0">
+                <a:solidFill>
+                  <a:srgbClr val="F7DAA3"/>
+                </a:solidFill>
                 <a:latin typeface="Proxima Nova Soft" charset="0"/>
                 <a:ea typeface="Proxima Nova Soft" charset="0"/>
                 <a:cs typeface="Proxima Nova Soft" charset="0"/>
               </a:rPr>
-              <a:t>Market Size</a:t>
+              <a:t> Size</a:t>
             </a:r>
             <a:endParaRPr lang="en-US" sz="3500" b="1" dirty="0">
               <a:solidFill>
@@ -5835,11 +5921,11 @@
           <a:lstStyle/>
           <a:p>
             <a:r>
-              <a:rPr lang="en-US" sz="3500" b="1" smtClean="0">
+              <a:rPr lang="en-US" sz="3500" b="1" dirty="0" smtClean="0">
                 <a:solidFill>
                   <a:srgbClr val="F7DAA3"/>
                 </a:solidFill>
-                <a:latin typeface="Proxima Nova Soft" charset="0"/>
+                <a:latin typeface="+mj-lt"/>
                 <a:ea typeface="Proxima Nova Soft" charset="0"/>
                 <a:cs typeface="Proxima Nova Soft" charset="0"/>
               </a:rPr>
@@ -5849,7 +5935,7 @@
               <a:solidFill>
                 <a:srgbClr val="F7DAA3"/>
               </a:solidFill>
-              <a:latin typeface="Proxima Nova Soft" charset="0"/>
+              <a:latin typeface="+mj-lt"/>
               <a:ea typeface="Proxima Nova Soft" charset="0"/>
               <a:cs typeface="Proxima Nova Soft" charset="0"/>
             </a:endParaRPr>
@@ -5921,14 +6007,21 @@
                 </a:solidFill>
                 <a:latin typeface="Arial" charset="0"/>
               </a:rPr>
-              <a:t>		</a:t>
+              <a:t>	</a:t>
+            </a:r>
+            <a:r>
+              <a:rPr lang="en-US" sz="3000" dirty="0" smtClean="0">
+                <a:solidFill>
+                  <a:schemeClr val="bg1"/>
+                </a:solidFill>
+              </a:rPr>
+              <a:t>	</a:t>
             </a:r>
             <a:r>
               <a:rPr lang="en-US" sz="3000" u="sng" dirty="0" smtClean="0">
                 <a:solidFill>
                   <a:schemeClr val="bg1"/>
                 </a:solidFill>
-                <a:latin typeface="Arial" charset="0"/>
               </a:rPr>
               <a:t>Year</a:t>
             </a:r>
@@ -5939,7 +6032,6 @@
               <a:solidFill>
                 <a:schemeClr val="bg1"/>
               </a:solidFill>
-              <a:latin typeface="Arial" charset="0"/>
             </a:endParaRPr>
           </a:p>
           <a:p>
@@ -5956,7 +6048,6 @@
                 <a:solidFill>
                   <a:schemeClr val="bg1"/>
                 </a:solidFill>
-                <a:latin typeface="Arial" charset="0"/>
               </a:rPr>
               <a:t>            </a:t>
             </a:r>
@@ -5965,7 +6056,6 @@
                 <a:solidFill>
                   <a:schemeClr val="bg1"/>
                 </a:solidFill>
-                <a:latin typeface="Arial" charset="0"/>
               </a:rPr>
               <a:t>				</a:t>
             </a:r>
@@ -5974,7 +6064,6 @@
                 <a:solidFill>
                   <a:schemeClr val="bg1"/>
                 </a:solidFill>
-                <a:latin typeface="Arial" charset="0"/>
               </a:rPr>
               <a:t> </a:t>
             </a:r>
@@ -5983,7 +6072,6 @@
                 <a:solidFill>
                   <a:schemeClr val="bg1"/>
                 </a:solidFill>
-                <a:latin typeface="Arial" charset="0"/>
               </a:rPr>
               <a:t>I</a:t>
             </a:r>
@@ -5992,7 +6080,6 @@
                 <a:solidFill>
                   <a:schemeClr val="bg1"/>
                 </a:solidFill>
-                <a:latin typeface="Arial" charset="0"/>
               </a:rPr>
               <a:t>    </a:t>
             </a:r>
@@ -6001,61 +6088,70 @@
                 <a:solidFill>
                   <a:schemeClr val="bg1"/>
                 </a:solidFill>
-                <a:latin typeface="Arial" charset="0"/>
-              </a:rPr>
-              <a:t>		</a:t>
+              </a:rPr>
+              <a:t>	 </a:t>
+            </a:r>
+            <a:r>
+              <a:rPr lang="en-US" sz="3000" dirty="0" smtClean="0">
+                <a:solidFill>
+                  <a:schemeClr val="bg1"/>
+                </a:solidFill>
+              </a:rPr>
+              <a:t>         </a:t>
+            </a:r>
+            <a:r>
+              <a:rPr lang="en-US" sz="3000" u="sng" dirty="0" smtClean="0">
+                <a:solidFill>
+                  <a:schemeClr val="bg1"/>
+                </a:solidFill>
+              </a:rPr>
+              <a:t>II</a:t>
+            </a:r>
+            <a:r>
+              <a:rPr lang="en-US" sz="3000" dirty="0" smtClean="0">
+                <a:solidFill>
+                  <a:schemeClr val="bg1"/>
+                </a:solidFill>
+              </a:rPr>
+              <a:t> </a:t>
             </a:r>
             <a:r>
               <a:rPr lang="en-US" sz="3000" dirty="0">
                 <a:solidFill>
                   <a:schemeClr val="bg1"/>
                 </a:solidFill>
-                <a:latin typeface="Arial" charset="0"/>
-              </a:rPr>
-              <a:t> </a:t>
+              </a:rPr>
+              <a:t>     </a:t>
+            </a:r>
+            <a:r>
+              <a:rPr lang="en-US" sz="3000" dirty="0" smtClean="0">
+                <a:solidFill>
+                  <a:schemeClr val="bg1"/>
+                </a:solidFill>
+              </a:rPr>
+              <a:t>	 </a:t>
+            </a:r>
+            <a:r>
+              <a:rPr lang="en-US" sz="3000" dirty="0">
+                <a:solidFill>
+                  <a:schemeClr val="bg1"/>
+                </a:solidFill>
+              </a:rPr>
+              <a:t> </a:t>
+            </a:r>
+            <a:r>
+              <a:rPr lang="en-US" sz="3000" dirty="0" smtClean="0">
+                <a:solidFill>
+                  <a:schemeClr val="bg1"/>
+                </a:solidFill>
+              </a:rPr>
+              <a:t>     </a:t>
             </a:r>
             <a:r>
               <a:rPr lang="en-US" sz="3000" u="sng" dirty="0" smtClean="0">
                 <a:solidFill>
                   <a:schemeClr val="bg1"/>
                 </a:solidFill>
-                <a:latin typeface="Arial" charset="0"/>
-              </a:rPr>
-              <a:t>II</a:t>
-            </a:r>
-            <a:r>
-              <a:rPr lang="en-US" sz="3000" dirty="0" smtClean="0">
-                <a:solidFill>
-                  <a:schemeClr val="bg1"/>
-                </a:solidFill>
-                <a:latin typeface="Arial" charset="0"/>
-              </a:rPr>
-              <a:t> </a:t>
-            </a:r>
-            <a:r>
-              <a:rPr lang="en-US" sz="3000" dirty="0">
-                <a:solidFill>
-                  <a:schemeClr val="bg1"/>
-                </a:solidFill>
-                <a:latin typeface="Arial" charset="0"/>
-              </a:rPr>
-              <a:t>     </a:t>
-            </a:r>
-            <a:r>
-              <a:rPr lang="en-US" sz="3000" dirty="0" smtClean="0">
-                <a:solidFill>
-                  <a:schemeClr val="bg1"/>
-                </a:solidFill>
-                <a:latin typeface="Arial" charset="0"/>
-              </a:rPr>
-              <a:t>	 </a:t>
-            </a:r>
-            <a:r>
-              <a:rPr lang="en-US" sz="3000" u="sng" dirty="0">
-                <a:solidFill>
-                  <a:schemeClr val="bg1"/>
-                </a:solidFill>
-                <a:latin typeface="Arial" charset="0"/>
               </a:rPr>
               <a:t>III</a:t>
             </a:r>
@@ -6079,7 +6175,6 @@
                 <a:solidFill>
                   <a:schemeClr val="bg1"/>
                 </a:solidFill>
-                <a:latin typeface="Arial" charset="0"/>
               </a:rPr>
               <a:t>Sales </a:t>
             </a:r>
@@ -6088,16 +6183,38 @@
                 <a:solidFill>
                   <a:schemeClr val="bg1"/>
                 </a:solidFill>
-                <a:latin typeface="Arial" charset="0"/>
-              </a:rPr>
-              <a:t>			$408,974    $</a:t>
+              </a:rPr>
+              <a:t>			</a:t>
             </a:r>
             <a:r>
               <a:rPr lang="en-US" sz="3000" dirty="0">
                 <a:solidFill>
                   <a:schemeClr val="bg1"/>
                 </a:solidFill>
-                <a:latin typeface="Arial" charset="0"/>
+              </a:rPr>
+              <a:t>	</a:t>
+            </a:r>
+            <a:r>
+              <a:rPr lang="en-US" sz="3000" dirty="0" smtClean="0">
+                <a:solidFill>
+                  <a:schemeClr val="bg1"/>
+                </a:solidFill>
+              </a:rPr>
+              <a:t>$</a:t>
+            </a:r>
+            <a:r>
+              <a:rPr lang="en-US" sz="3000" dirty="0" smtClean="0">
+                <a:solidFill>
+                  <a:schemeClr val="bg1"/>
+                </a:solidFill>
+              </a:rPr>
+              <a:t>408,974    $</a:t>
+            </a:r>
+            <a:r>
+              <a:rPr lang="en-US" sz="3000" dirty="0">
+                <a:solidFill>
+                  <a:schemeClr val="bg1"/>
+                </a:solidFill>
               </a:rPr>
               <a:t>1,226,922  </a:t>
             </a:r>
@@ -6106,7 +6223,6 @@
                 <a:solidFill>
                   <a:schemeClr val="bg1"/>
                 </a:solidFill>
-                <a:latin typeface="Arial" charset="0"/>
               </a:rPr>
               <a:t>$</a:t>
             </a:r>
@@ -6115,15 +6231,9 @@
                 <a:solidFill>
                   <a:schemeClr val="bg1"/>
                 </a:solidFill>
-                <a:latin typeface="Arial" charset="0"/>
               </a:rPr>
               <a:t>2,453,844</a:t>
             </a:r>
-            <a:endParaRPr lang="en-US" sz="3000" dirty="0">
-              <a:solidFill>
-                <a:schemeClr val="bg1"/>
-              </a:solidFill>
-            </a:endParaRPr>
           </a:p>
           <a:p>
             <a:pPr indent="-342900">
@@ -6139,7 +6249,6 @@
                 <a:solidFill>
                   <a:schemeClr val="bg1"/>
                 </a:solidFill>
-                <a:latin typeface="Arial" charset="0"/>
               </a:rPr>
               <a:t>Expenses </a:t>
             </a:r>
@@ -6148,7 +6257,6 @@
                 <a:solidFill>
                   <a:schemeClr val="bg1"/>
                 </a:solidFill>
-                <a:latin typeface="Arial" charset="0"/>
               </a:rPr>
               <a:t>			$</a:t>
             </a:r>
@@ -6157,7 +6265,6 @@
                 <a:solidFill>
                   <a:schemeClr val="bg1"/>
                 </a:solidFill>
-                <a:latin typeface="Arial" charset="0"/>
               </a:rPr>
               <a:t>523,571 </a:t>
             </a:r>
@@ -6166,7 +6273,6 @@
                 <a:solidFill>
                   <a:schemeClr val="bg1"/>
                 </a:solidFill>
-                <a:latin typeface="Arial" charset="0"/>
               </a:rPr>
               <a:t>	  $703,461	</a:t>
             </a:r>
@@ -6175,7 +6281,6 @@
                 <a:solidFill>
                   <a:schemeClr val="bg1"/>
                 </a:solidFill>
-                <a:latin typeface="Arial" charset="0"/>
               </a:rPr>
               <a:t> </a:t>
             </a:r>
@@ -6184,24 +6289,17 @@
                 <a:solidFill>
                   <a:schemeClr val="bg1"/>
                 </a:solidFill>
-                <a:latin typeface="Arial" charset="0"/>
-              </a:rPr>
-              <a:t>    $</a:t>
+              </a:rPr>
+              <a:t>$</a:t>
             </a:r>
             <a:r>
               <a:rPr lang="en-US" sz="3000" dirty="0">
                 <a:solidFill>
                   <a:schemeClr val="bg1"/>
                 </a:solidFill>
-                <a:latin typeface="Arial" charset="0"/>
               </a:rPr>
               <a:t>706,759</a:t>
             </a:r>
-            <a:endParaRPr lang="en-US" sz="3000" dirty="0">
-              <a:solidFill>
-                <a:schemeClr val="bg1"/>
-              </a:solidFill>
-            </a:endParaRPr>
           </a:p>
           <a:p>
             <a:pPr indent="-342900">
@@ -6217,7 +6315,6 @@
                 <a:solidFill>
                   <a:schemeClr val="bg1"/>
                 </a:solidFill>
-                <a:latin typeface="Arial" charset="0"/>
               </a:rPr>
               <a:t>Profits (Loss) </a:t>
             </a:r>
@@ -6226,7 +6323,6 @@
                 <a:solidFill>
                   <a:schemeClr val="bg1"/>
                 </a:solidFill>
-                <a:latin typeface="Arial" charset="0"/>
               </a:rPr>
               <a:t>		-$</a:t>
             </a:r>
@@ -6235,7 +6331,6 @@
                 <a:solidFill>
                   <a:schemeClr val="bg1"/>
                 </a:solidFill>
-                <a:latin typeface="Arial" charset="0"/>
               </a:rPr>
               <a:t>114,597 </a:t>
             </a:r>
@@ -6244,7 +6339,6 @@
                 <a:solidFill>
                   <a:schemeClr val="bg1"/>
                 </a:solidFill>
-                <a:latin typeface="Arial" charset="0"/>
               </a:rPr>
               <a:t>	  $</a:t>
             </a:r>
@@ -6253,7 +6347,6 @@
                 <a:solidFill>
                   <a:schemeClr val="bg1"/>
                 </a:solidFill>
-                <a:latin typeface="Arial" charset="0"/>
               </a:rPr>
               <a:t>523,461  </a:t>
             </a:r>
@@ -6262,24 +6355,25 @@
                 <a:solidFill>
                   <a:schemeClr val="bg1"/>
                 </a:solidFill>
-                <a:latin typeface="Arial" charset="0"/>
-              </a:rPr>
-              <a:t>   $</a:t>
+              </a:rPr>
+              <a:t>  </a:t>
+            </a:r>
+            <a:r>
+              <a:rPr lang="en-US" sz="3000" dirty="0" smtClean="0">
+                <a:solidFill>
+                  <a:schemeClr val="bg1"/>
+                </a:solidFill>
+              </a:rPr>
+              <a:t>$</a:t>
             </a:r>
             <a:r>
               <a:rPr lang="en-US" sz="3000" dirty="0">
                 <a:solidFill>
                   <a:schemeClr val="bg1"/>
                 </a:solidFill>
-                <a:latin typeface="Arial" charset="0"/>
               </a:rPr>
               <a:t>1,747,085</a:t>
             </a:r>
-            <a:endParaRPr lang="en-US" sz="3000" dirty="0">
-              <a:solidFill>
-                <a:schemeClr val="bg1"/>
-              </a:solidFill>
-            </a:endParaRPr>
           </a:p>
           <a:p>
             <a:pPr>
